--- a/Systemarchitektur-und-EventQueue.pptx
+++ b/Systemarchitektur-und-EventQueue.pptx
@@ -5,14 +5,15 @@
     <p:sldMasterId id="2147483648" r:id="rId1"/>
   </p:sldMasterIdLst>
   <p:notesMasterIdLst>
-    <p:notesMasterId r:id="rId7"/>
+    <p:notesMasterId r:id="rId8"/>
   </p:notesMasterIdLst>
   <p:sldIdLst>
-    <p:sldId id="256" r:id="rId2"/>
-    <p:sldId id="264" r:id="rId3"/>
-    <p:sldId id="260" r:id="rId4"/>
-    <p:sldId id="262" r:id="rId5"/>
-    <p:sldId id="269" r:id="rId6"/>
+    <p:sldId id="270" r:id="rId2"/>
+    <p:sldId id="256" r:id="rId3"/>
+    <p:sldId id="264" r:id="rId4"/>
+    <p:sldId id="260" r:id="rId5"/>
+    <p:sldId id="262" r:id="rId6"/>
+    <p:sldId id="269" r:id="rId7"/>
   </p:sldIdLst>
   <p:sldSz cx="12192000" cy="6858000"/>
   <p:notesSz cx="6858000" cy="9144000"/>
@@ -201,7 +202,7 @@
           <a:p>
             <a:fld id="{19509F05-603B-4F5A-AC10-C37C65F62FB0}" type="datetimeFigureOut">
               <a:rPr lang="de-DE" smtClean="0"/>
-              <a:t>08.07.15</a:t>
+              <a:t>14.08.15</a:t>
             </a:fld>
             <a:endParaRPr lang="de-DE"/>
           </a:p>
@@ -600,7 +601,7 @@
           <a:p>
             <a:fld id="{FCE3A6BD-9DCB-48EA-8529-CCDD4EFF7708}" type="datetimeFigureOut">
               <a:rPr lang="en-US" smtClean="0"/>
-              <a:t>7/8/15</a:t>
+              <a:t>8/14/15</a:t>
             </a:fld>
             <a:endParaRPr lang="en-US"/>
           </a:p>
@@ -770,7 +771,7 @@
           <a:p>
             <a:fld id="{FCE3A6BD-9DCB-48EA-8529-CCDD4EFF7708}" type="datetimeFigureOut">
               <a:rPr lang="en-US" smtClean="0"/>
-              <a:t>7/8/15</a:t>
+              <a:t>8/14/15</a:t>
             </a:fld>
             <a:endParaRPr lang="en-US"/>
           </a:p>
@@ -950,7 +951,7 @@
           <a:p>
             <a:fld id="{FCE3A6BD-9DCB-48EA-8529-CCDD4EFF7708}" type="datetimeFigureOut">
               <a:rPr lang="en-US" smtClean="0"/>
-              <a:t>7/8/15</a:t>
+              <a:t>8/14/15</a:t>
             </a:fld>
             <a:endParaRPr lang="en-US"/>
           </a:p>
@@ -1120,7 +1121,7 @@
           <a:p>
             <a:fld id="{FCE3A6BD-9DCB-48EA-8529-CCDD4EFF7708}" type="datetimeFigureOut">
               <a:rPr lang="en-US" smtClean="0"/>
-              <a:t>7/8/15</a:t>
+              <a:t>8/14/15</a:t>
             </a:fld>
             <a:endParaRPr lang="en-US"/>
           </a:p>
@@ -1366,7 +1367,7 @@
           <a:p>
             <a:fld id="{FCE3A6BD-9DCB-48EA-8529-CCDD4EFF7708}" type="datetimeFigureOut">
               <a:rPr lang="en-US" smtClean="0"/>
-              <a:t>7/8/15</a:t>
+              <a:t>8/14/15</a:t>
             </a:fld>
             <a:endParaRPr lang="en-US"/>
           </a:p>
@@ -1598,7 +1599,7 @@
           <a:p>
             <a:fld id="{FCE3A6BD-9DCB-48EA-8529-CCDD4EFF7708}" type="datetimeFigureOut">
               <a:rPr lang="en-US" smtClean="0"/>
-              <a:t>7/8/15</a:t>
+              <a:t>8/14/15</a:t>
             </a:fld>
             <a:endParaRPr lang="en-US"/>
           </a:p>
@@ -1965,7 +1966,7 @@
           <a:p>
             <a:fld id="{FCE3A6BD-9DCB-48EA-8529-CCDD4EFF7708}" type="datetimeFigureOut">
               <a:rPr lang="en-US" smtClean="0"/>
-              <a:t>7/8/15</a:t>
+              <a:t>8/14/15</a:t>
             </a:fld>
             <a:endParaRPr lang="en-US"/>
           </a:p>
@@ -2083,7 +2084,7 @@
           <a:p>
             <a:fld id="{FCE3A6BD-9DCB-48EA-8529-CCDD4EFF7708}" type="datetimeFigureOut">
               <a:rPr lang="en-US" smtClean="0"/>
-              <a:t>7/8/15</a:t>
+              <a:t>8/14/15</a:t>
             </a:fld>
             <a:endParaRPr lang="en-US"/>
           </a:p>
@@ -2178,7 +2179,7 @@
           <a:p>
             <a:fld id="{FCE3A6BD-9DCB-48EA-8529-CCDD4EFF7708}" type="datetimeFigureOut">
               <a:rPr lang="en-US" smtClean="0"/>
-              <a:t>7/8/15</a:t>
+              <a:t>8/14/15</a:t>
             </a:fld>
             <a:endParaRPr lang="en-US"/>
           </a:p>
@@ -2455,7 +2456,7 @@
           <a:p>
             <a:fld id="{FCE3A6BD-9DCB-48EA-8529-CCDD4EFF7708}" type="datetimeFigureOut">
               <a:rPr lang="en-US" smtClean="0"/>
-              <a:t>7/8/15</a:t>
+              <a:t>8/14/15</a:t>
             </a:fld>
             <a:endParaRPr lang="en-US"/>
           </a:p>
@@ -2708,7 +2709,7 @@
           <a:p>
             <a:fld id="{FCE3A6BD-9DCB-48EA-8529-CCDD4EFF7708}" type="datetimeFigureOut">
               <a:rPr lang="en-US" smtClean="0"/>
-              <a:t>7/8/15</a:t>
+              <a:t>8/14/15</a:t>
             </a:fld>
             <a:endParaRPr lang="en-US"/>
           </a:p>
@@ -2921,7 +2922,7 @@
           <a:p>
             <a:fld id="{FCE3A6BD-9DCB-48EA-8529-CCDD4EFF7708}" type="datetimeFigureOut">
               <a:rPr lang="en-US" smtClean="0"/>
-              <a:t>7/8/15</a:t>
+              <a:t>8/14/15</a:t>
             </a:fld>
             <a:endParaRPr lang="en-US"/>
           </a:p>
@@ -3328,6 +3329,70 @@
       </p:grpSpPr>
       <p:sp>
         <p:nvSpPr>
+          <p:cNvPr id="4" name="Rectangle 3"/>
+          <p:cNvSpPr/>
+          <p:nvPr/>
+        </p:nvSpPr>
+        <p:spPr>
+          <a:xfrm>
+            <a:off x="3999881" y="3244334"/>
+            <a:ext cx="4192238" cy="369332"/>
+          </a:xfrm>
+          <a:prstGeom prst="rect">
+            <a:avLst/>
+          </a:prstGeom>
+        </p:spPr>
+        <p:txBody>
+          <a:bodyPr wrap="none">
+            <a:spAutoFit/>
+          </a:bodyPr>
+          <a:lstStyle/>
+          <a:p>
+            <a:r>
+              <a:rPr lang="en-US">
+                <a:solidFill>
+                  <a:schemeClr val="bg1">
+                    <a:lumMod val="65000"/>
+                  </a:schemeClr>
+                </a:solidFill>
+              </a:rPr>
+              <a:t>github.com/benjaminaaron/PedestrianSim</a:t>
+            </a:r>
+          </a:p>
+        </p:txBody>
+      </p:sp>
+    </p:spTree>
+    <p:extLst>
+      <p:ext uri="{BB962C8B-B14F-4D97-AF65-F5344CB8AC3E}">
+        <p14:creationId xmlns:p14="http://schemas.microsoft.com/office/powerpoint/2010/main" val="1516107307"/>
+      </p:ext>
+    </p:extLst>
+  </p:cSld>
+  <p:clrMapOvr>
+    <a:masterClrMapping/>
+  </p:clrMapOvr>
+</p:sld>
+</file>
+
+<file path=ppt/slides/slide2.xml><?xml version="1.0" encoding="utf-8"?>
+<p:sld xmlns:a="http://schemas.openxmlformats.org/drawingml/2006/main" xmlns:r="http://schemas.openxmlformats.org/officeDocument/2006/relationships" xmlns:p="http://schemas.openxmlformats.org/presentationml/2006/main">
+  <p:cSld>
+    <p:spTree>
+      <p:nvGrpSpPr>
+        <p:cNvPr id="1" name=""/>
+        <p:cNvGrpSpPr/>
+        <p:nvPr/>
+      </p:nvGrpSpPr>
+      <p:grpSpPr>
+        <a:xfrm>
+          <a:off x="0" y="0"/>
+          <a:ext cx="0" cy="0"/>
+          <a:chOff x="0" y="0"/>
+          <a:chExt cx="0" cy="0"/>
+        </a:xfrm>
+      </p:grpSpPr>
+      <p:sp>
+        <p:nvSpPr>
           <p:cNvPr id="4" name="TextBox 3"/>
           <p:cNvSpPr txBox="1"/>
           <p:nvPr/>
@@ -3802,7 +3867,7 @@
 </p:sld>
 </file>
 
-<file path=ppt/slides/slide2.xml><?xml version="1.0" encoding="utf-8"?>
+<file path=ppt/slides/slide3.xml><?xml version="1.0" encoding="utf-8"?>
 <p:sld xmlns:a="http://schemas.openxmlformats.org/drawingml/2006/main" xmlns:r="http://schemas.openxmlformats.org/officeDocument/2006/relationships" xmlns:p="http://schemas.openxmlformats.org/presentationml/2006/main">
   <p:cSld>
     <p:spTree>
@@ -4243,7 +4308,7 @@
 </p:sld>
 </file>
 
-<file path=ppt/slides/slide3.xml><?xml version="1.0" encoding="utf-8"?>
+<file path=ppt/slides/slide4.xml><?xml version="1.0" encoding="utf-8"?>
 <p:sld xmlns:a="http://schemas.openxmlformats.org/drawingml/2006/main" xmlns:r="http://schemas.openxmlformats.org/officeDocument/2006/relationships" xmlns:p="http://schemas.openxmlformats.org/presentationml/2006/main">
   <p:cSld>
     <p:spTree>
@@ -5474,7 +5539,7 @@
 </p:sld>
 </file>
 
-<file path=ppt/slides/slide4.xml><?xml version="1.0" encoding="utf-8"?>
+<file path=ppt/slides/slide5.xml><?xml version="1.0" encoding="utf-8"?>
 <p:sld xmlns:a="http://schemas.openxmlformats.org/drawingml/2006/main" xmlns:r="http://schemas.openxmlformats.org/officeDocument/2006/relationships" xmlns:p="http://schemas.openxmlformats.org/presentationml/2006/main">
   <p:cSld>
     <p:spTree>
@@ -11119,7 +11184,7 @@
 </p:sld>
 </file>
 
-<file path=ppt/slides/slide5.xml><?xml version="1.0" encoding="utf-8"?>
+<file path=ppt/slides/slide6.xml><?xml version="1.0" encoding="utf-8"?>
 <p:sld xmlns:a="http://schemas.openxmlformats.org/drawingml/2006/main" xmlns:r="http://schemas.openxmlformats.org/officeDocument/2006/relationships" xmlns:p="http://schemas.openxmlformats.org/presentationml/2006/main">
   <p:cSld>
     <p:spTree>
